--- a/Architecture/ReadMe.pptx
+++ b/Architecture/ReadMe.pptx
@@ -7,10 +7,18 @@
   <p:sldIdLst>
     <p:sldId id="256" r:id="rId2"/>
     <p:sldId id="257" r:id="rId3"/>
-    <p:sldId id="258" r:id="rId4"/>
-    <p:sldId id="259" r:id="rId5"/>
-    <p:sldId id="260" r:id="rId6"/>
-    <p:sldId id="261" r:id="rId7"/>
+    <p:sldId id="270" r:id="rId4"/>
+    <p:sldId id="258" r:id="rId5"/>
+    <p:sldId id="259" r:id="rId6"/>
+    <p:sldId id="260" r:id="rId7"/>
+    <p:sldId id="264" r:id="rId8"/>
+    <p:sldId id="268" r:id="rId9"/>
+    <p:sldId id="266" r:id="rId10"/>
+    <p:sldId id="263" r:id="rId11"/>
+    <p:sldId id="265" r:id="rId12"/>
+    <p:sldId id="267" r:id="rId13"/>
+    <p:sldId id="269" r:id="rId14"/>
+    <p:sldId id="262" r:id="rId15"/>
   </p:sldIdLst>
   <p:sldSz cx="9144000" cy="6858000" type="screen4x3"/>
   <p:notesSz cx="6858000" cy="9144000"/>
@@ -294,7 +302,7 @@
             <a:fld id="{1D8BD707-D9CF-40AE-B4C6-C98DA3205C09}" type="datetimeFigureOut">
               <a:rPr lang="en-US" smtClean="0"/>
               <a:pPr/>
-              <a:t>10/19/2013</a:t>
+              <a:t>10/27/2013</a:t>
             </a:fld>
             <a:endParaRPr lang="en-US"/>
           </a:p>
@@ -461,7 +469,7 @@
             <a:fld id="{1D8BD707-D9CF-40AE-B4C6-C98DA3205C09}" type="datetimeFigureOut">
               <a:rPr lang="en-US" smtClean="0"/>
               <a:pPr/>
-              <a:t>10/19/2013</a:t>
+              <a:t>10/27/2013</a:t>
             </a:fld>
             <a:endParaRPr lang="en-US"/>
           </a:p>
@@ -638,7 +646,7 @@
             <a:fld id="{1D8BD707-D9CF-40AE-B4C6-C98DA3205C09}" type="datetimeFigureOut">
               <a:rPr lang="en-US" smtClean="0"/>
               <a:pPr/>
-              <a:t>10/19/2013</a:t>
+              <a:t>10/27/2013</a:t>
             </a:fld>
             <a:endParaRPr lang="en-US"/>
           </a:p>
@@ -805,7 +813,7 @@
             <a:fld id="{1D8BD707-D9CF-40AE-B4C6-C98DA3205C09}" type="datetimeFigureOut">
               <a:rPr lang="en-US" smtClean="0"/>
               <a:pPr/>
-              <a:t>10/19/2013</a:t>
+              <a:t>10/27/2013</a:t>
             </a:fld>
             <a:endParaRPr lang="en-US"/>
           </a:p>
@@ -1048,7 +1056,7 @@
             <a:fld id="{1D8BD707-D9CF-40AE-B4C6-C98DA3205C09}" type="datetimeFigureOut">
               <a:rPr lang="en-US" smtClean="0"/>
               <a:pPr/>
-              <a:t>10/19/2013</a:t>
+              <a:t>10/27/2013</a:t>
             </a:fld>
             <a:endParaRPr lang="en-US"/>
           </a:p>
@@ -1333,7 +1341,7 @@
             <a:fld id="{1D8BD707-D9CF-40AE-B4C6-C98DA3205C09}" type="datetimeFigureOut">
               <a:rPr lang="en-US" smtClean="0"/>
               <a:pPr/>
-              <a:t>10/19/2013</a:t>
+              <a:t>10/27/2013</a:t>
             </a:fld>
             <a:endParaRPr lang="en-US"/>
           </a:p>
@@ -1752,7 +1760,7 @@
             <a:fld id="{1D8BD707-D9CF-40AE-B4C6-C98DA3205C09}" type="datetimeFigureOut">
               <a:rPr lang="en-US" smtClean="0"/>
               <a:pPr/>
-              <a:t>10/19/2013</a:t>
+              <a:t>10/27/2013</a:t>
             </a:fld>
             <a:endParaRPr lang="en-US"/>
           </a:p>
@@ -1867,7 +1875,7 @@
             <a:fld id="{1D8BD707-D9CF-40AE-B4C6-C98DA3205C09}" type="datetimeFigureOut">
               <a:rPr lang="en-US" smtClean="0"/>
               <a:pPr/>
-              <a:t>10/19/2013</a:t>
+              <a:t>10/27/2013</a:t>
             </a:fld>
             <a:endParaRPr lang="en-US"/>
           </a:p>
@@ -1959,7 +1967,7 @@
             <a:fld id="{1D8BD707-D9CF-40AE-B4C6-C98DA3205C09}" type="datetimeFigureOut">
               <a:rPr lang="en-US" smtClean="0"/>
               <a:pPr/>
-              <a:t>10/19/2013</a:t>
+              <a:t>10/27/2013</a:t>
             </a:fld>
             <a:endParaRPr lang="en-US"/>
           </a:p>
@@ -2233,7 +2241,7 @@
             <a:fld id="{1D8BD707-D9CF-40AE-B4C6-C98DA3205C09}" type="datetimeFigureOut">
               <a:rPr lang="en-US" smtClean="0"/>
               <a:pPr/>
-              <a:t>10/19/2013</a:t>
+              <a:t>10/27/2013</a:t>
             </a:fld>
             <a:endParaRPr lang="en-US"/>
           </a:p>
@@ -2483,7 +2491,7 @@
             <a:fld id="{1D8BD707-D9CF-40AE-B4C6-C98DA3205C09}" type="datetimeFigureOut">
               <a:rPr lang="en-US" smtClean="0"/>
               <a:pPr/>
-              <a:t>10/19/2013</a:t>
+              <a:t>10/27/2013</a:t>
             </a:fld>
             <a:endParaRPr lang="en-US"/>
           </a:p>
@@ -2693,7 +2701,7 @@
             <a:fld id="{1D8BD707-D9CF-40AE-B4C6-C98DA3205C09}" type="datetimeFigureOut">
               <a:rPr lang="en-US" smtClean="0"/>
               <a:pPr/>
-              <a:t>10/19/2013</a:t>
+              <a:t>10/27/2013</a:t>
             </a:fld>
             <a:endParaRPr lang="en-US"/>
           </a:p>
@@ -3161,6 +3169,541 @@
 </p:sld>
 </file>
 
+<file path=ppt/slides/slide10.xml><?xml version="1.0" encoding="utf-8"?>
+<p:sld xmlns:a="http://schemas.openxmlformats.org/drawingml/2006/main" xmlns:r="http://schemas.openxmlformats.org/officeDocument/2006/relationships" xmlns:p="http://schemas.openxmlformats.org/presentationml/2006/main">
+  <p:cSld>
+    <p:spTree>
+      <p:nvGrpSpPr>
+        <p:cNvPr id="1" name=""/>
+        <p:cNvGrpSpPr/>
+        <p:nvPr/>
+      </p:nvGrpSpPr>
+      <p:grpSpPr>
+        <a:xfrm>
+          <a:off x="0" y="0"/>
+          <a:ext cx="0" cy="0"/>
+          <a:chOff x="0" y="0"/>
+          <a:chExt cx="0" cy="0"/>
+        </a:xfrm>
+      </p:grpSpPr>
+      <p:sp>
+        <p:nvSpPr>
+          <p:cNvPr id="2" name="Title 1"/>
+          <p:cNvSpPr>
+            <a:spLocks noGrp="1"/>
+          </p:cNvSpPr>
+          <p:nvPr>
+            <p:ph type="title"/>
+          </p:nvPr>
+        </p:nvSpPr>
+        <p:spPr/>
+        <p:txBody>
+          <a:bodyPr/>
+          <a:lstStyle/>
+          <a:p>
+            <a:r>
+              <a:rPr lang="en-CA" dirty="0" smtClean="0"/>
+              <a:t>Code for send massage </a:t>
+            </a:r>
+            <a:endParaRPr lang="en-CA" dirty="0"/>
+          </a:p>
+        </p:txBody>
+      </p:sp>
+      <p:pic>
+        <p:nvPicPr>
+          <p:cNvPr id="1028" name="Picture 4"/>
+          <p:cNvPicPr>
+            <a:picLocks noGrp="1" noChangeAspect="1" noChangeArrowheads="1"/>
+          </p:cNvPicPr>
+          <p:nvPr>
+            <p:ph idx="1"/>
+          </p:nvPr>
+        </p:nvPicPr>
+        <p:blipFill>
+          <a:blip r:embed="rId2"/>
+          <a:srcRect/>
+          <a:stretch>
+            <a:fillRect/>
+          </a:stretch>
+        </p:blipFill>
+        <p:spPr bwMode="auto">
+          <a:xfrm>
+            <a:off x="1104900" y="1600994"/>
+            <a:ext cx="6934200" cy="4524375"/>
+          </a:xfrm>
+          <a:prstGeom prst="rect">
+            <a:avLst/>
+          </a:prstGeom>
+          <a:noFill/>
+          <a:ln w="9525">
+            <a:noFill/>
+            <a:miter lim="800000"/>
+            <a:headEnd/>
+            <a:tailEnd/>
+          </a:ln>
+          <a:effectLst/>
+        </p:spPr>
+      </p:pic>
+    </p:spTree>
+  </p:cSld>
+  <p:clrMapOvr>
+    <a:masterClrMapping/>
+  </p:clrMapOvr>
+</p:sld>
+</file>
+
+<file path=ppt/slides/slide11.xml><?xml version="1.0" encoding="utf-8"?>
+<p:sld xmlns:a="http://schemas.openxmlformats.org/drawingml/2006/main" xmlns:r="http://schemas.openxmlformats.org/officeDocument/2006/relationships" xmlns:p="http://schemas.openxmlformats.org/presentationml/2006/main">
+  <p:cSld>
+    <p:spTree>
+      <p:nvGrpSpPr>
+        <p:cNvPr id="1" name=""/>
+        <p:cNvGrpSpPr/>
+        <p:nvPr/>
+      </p:nvGrpSpPr>
+      <p:grpSpPr>
+        <a:xfrm>
+          <a:off x="0" y="0"/>
+          <a:ext cx="0" cy="0"/>
+          <a:chOff x="0" y="0"/>
+          <a:chExt cx="0" cy="0"/>
+        </a:xfrm>
+      </p:grpSpPr>
+      <p:sp>
+        <p:nvSpPr>
+          <p:cNvPr id="2" name="Title 1"/>
+          <p:cNvSpPr>
+            <a:spLocks noGrp="1"/>
+          </p:cNvSpPr>
+          <p:nvPr>
+            <p:ph type="title"/>
+          </p:nvPr>
+        </p:nvSpPr>
+        <p:spPr/>
+        <p:txBody>
+          <a:bodyPr/>
+          <a:lstStyle/>
+          <a:p>
+            <a:r>
+              <a:rPr lang="en-CA" dirty="0" err="1" smtClean="0"/>
+              <a:t>Twilio</a:t>
+            </a:r>
+            <a:r>
+              <a:rPr lang="en-CA" dirty="0" smtClean="0"/>
+              <a:t> send massage </a:t>
+            </a:r>
+            <a:endParaRPr lang="en-CA" dirty="0"/>
+          </a:p>
+        </p:txBody>
+      </p:sp>
+      <p:pic>
+        <p:nvPicPr>
+          <p:cNvPr id="3074" name="Picture 2"/>
+          <p:cNvPicPr>
+            <a:picLocks noGrp="1" noChangeAspect="1" noChangeArrowheads="1"/>
+          </p:cNvPicPr>
+          <p:nvPr>
+            <p:ph idx="1"/>
+          </p:nvPr>
+        </p:nvPicPr>
+        <p:blipFill>
+          <a:blip r:embed="rId2"/>
+          <a:srcRect/>
+          <a:stretch>
+            <a:fillRect/>
+          </a:stretch>
+        </p:blipFill>
+        <p:spPr bwMode="auto">
+          <a:xfrm>
+            <a:off x="1023129" y="1600200"/>
+            <a:ext cx="7097742" cy="4525963"/>
+          </a:xfrm>
+          <a:prstGeom prst="rect">
+            <a:avLst/>
+          </a:prstGeom>
+          <a:noFill/>
+          <a:ln w="9525">
+            <a:noFill/>
+            <a:miter lim="800000"/>
+            <a:headEnd/>
+            <a:tailEnd/>
+          </a:ln>
+          <a:effectLst/>
+        </p:spPr>
+      </p:pic>
+    </p:spTree>
+  </p:cSld>
+  <p:clrMapOvr>
+    <a:masterClrMapping/>
+  </p:clrMapOvr>
+</p:sld>
+</file>
+
+<file path=ppt/slides/slide12.xml><?xml version="1.0" encoding="utf-8"?>
+<p:sld xmlns:a="http://schemas.openxmlformats.org/drawingml/2006/main" xmlns:r="http://schemas.openxmlformats.org/officeDocument/2006/relationships" xmlns:p="http://schemas.openxmlformats.org/presentationml/2006/main">
+  <p:cSld>
+    <p:spTree>
+      <p:nvGrpSpPr>
+        <p:cNvPr id="1" name=""/>
+        <p:cNvGrpSpPr/>
+        <p:nvPr/>
+      </p:nvGrpSpPr>
+      <p:grpSpPr>
+        <a:xfrm>
+          <a:off x="0" y="0"/>
+          <a:ext cx="0" cy="0"/>
+          <a:chOff x="0" y="0"/>
+          <a:chExt cx="0" cy="0"/>
+        </a:xfrm>
+      </p:grpSpPr>
+      <p:sp>
+        <p:nvSpPr>
+          <p:cNvPr id="2" name="Title 1"/>
+          <p:cNvSpPr>
+            <a:spLocks noGrp="1"/>
+          </p:cNvSpPr>
+          <p:nvPr>
+            <p:ph type="title"/>
+          </p:nvPr>
+        </p:nvSpPr>
+        <p:spPr/>
+        <p:txBody>
+          <a:bodyPr>
+            <a:normAutofit fontScale="90000"/>
+          </a:bodyPr>
+          <a:lstStyle/>
+          <a:p>
+            <a:r>
+              <a:rPr lang="en-CA" dirty="0" smtClean="0"/>
+              <a:t> </a:t>
+            </a:r>
+            <a:r>
+              <a:rPr lang="en-CA" dirty="0" err="1" smtClean="0"/>
+              <a:t>RestException</a:t>
+            </a:r>
+            <a:r>
+              <a:rPr lang="en-CA" dirty="0" smtClean="0"/>
+              <a:t> code line in </a:t>
+            </a:r>
+            <a:r>
+              <a:rPr lang="en-CA" dirty="0" err="1" smtClean="0"/>
+              <a:t>T</a:t>
+            </a:r>
+            <a:r>
+              <a:rPr lang="en-CA" dirty="0" err="1" smtClean="0"/>
+              <a:t>wilio</a:t>
+            </a:r>
+            <a:r>
+              <a:rPr lang="en-CA" dirty="0" smtClean="0"/>
+              <a:t/>
+            </a:r>
+            <a:br>
+              <a:rPr lang="en-CA" dirty="0" smtClean="0"/>
+            </a:br>
+            <a:endParaRPr lang="en-CA" dirty="0"/>
+          </a:p>
+        </p:txBody>
+      </p:sp>
+      <p:pic>
+        <p:nvPicPr>
+          <p:cNvPr id="4099" name="Picture 3"/>
+          <p:cNvPicPr>
+            <a:picLocks noGrp="1" noChangeAspect="1" noChangeArrowheads="1"/>
+          </p:cNvPicPr>
+          <p:nvPr>
+            <p:ph idx="1"/>
+          </p:nvPr>
+        </p:nvPicPr>
+        <p:blipFill>
+          <a:blip r:embed="rId2"/>
+          <a:srcRect/>
+          <a:stretch>
+            <a:fillRect/>
+          </a:stretch>
+        </p:blipFill>
+        <p:spPr bwMode="auto">
+          <a:xfrm>
+            <a:off x="1554691" y="1600200"/>
+            <a:ext cx="6034617" cy="4525963"/>
+          </a:xfrm>
+          <a:prstGeom prst="rect">
+            <a:avLst/>
+          </a:prstGeom>
+          <a:noFill/>
+          <a:ln w="9525">
+            <a:noFill/>
+            <a:miter lim="800000"/>
+            <a:headEnd/>
+            <a:tailEnd/>
+          </a:ln>
+          <a:effectLst/>
+        </p:spPr>
+      </p:pic>
+    </p:spTree>
+  </p:cSld>
+  <p:clrMapOvr>
+    <a:masterClrMapping/>
+  </p:clrMapOvr>
+</p:sld>
+</file>
+
+<file path=ppt/slides/slide13.xml><?xml version="1.0" encoding="utf-8"?>
+<p:sld xmlns:a="http://schemas.openxmlformats.org/drawingml/2006/main" xmlns:r="http://schemas.openxmlformats.org/officeDocument/2006/relationships" xmlns:p="http://schemas.openxmlformats.org/presentationml/2006/main">
+  <p:cSld>
+    <p:spTree>
+      <p:nvGrpSpPr>
+        <p:cNvPr id="1" name=""/>
+        <p:cNvGrpSpPr/>
+        <p:nvPr/>
+      </p:nvGrpSpPr>
+      <p:grpSpPr>
+        <a:xfrm>
+          <a:off x="0" y="0"/>
+          <a:ext cx="0" cy="0"/>
+          <a:chOff x="0" y="0"/>
+          <a:chExt cx="0" cy="0"/>
+        </a:xfrm>
+      </p:grpSpPr>
+      <p:sp>
+        <p:nvSpPr>
+          <p:cNvPr id="2" name="Title 1"/>
+          <p:cNvSpPr>
+            <a:spLocks noGrp="1"/>
+          </p:cNvSpPr>
+          <p:nvPr>
+            <p:ph type="title"/>
+          </p:nvPr>
+        </p:nvSpPr>
+        <p:spPr/>
+        <p:txBody>
+          <a:bodyPr>
+            <a:normAutofit fontScale="90000"/>
+          </a:bodyPr>
+          <a:lstStyle/>
+          <a:p>
+            <a:r>
+              <a:rPr lang="en-CA" dirty="0" smtClean="0"/>
+              <a:t>Root  of </a:t>
+            </a:r>
+            <a:r>
+              <a:rPr lang="en-CA" dirty="0" err="1" smtClean="0"/>
+              <a:t>deserializes</a:t>
+            </a:r>
+            <a:r>
+              <a:rPr lang="en-CA" dirty="0" smtClean="0"/>
+              <a:t> </a:t>
+            </a:r>
+            <a:r>
+              <a:rPr lang="en-CA" dirty="0" err="1" smtClean="0"/>
+              <a:t>RestExceptions</a:t>
+            </a:r>
+            <a:endParaRPr lang="en-CA" dirty="0"/>
+          </a:p>
+        </p:txBody>
+      </p:sp>
+      <p:sp>
+        <p:nvSpPr>
+          <p:cNvPr id="3" name="Content Placeholder 2"/>
+          <p:cNvSpPr>
+            <a:spLocks noGrp="1"/>
+          </p:cNvSpPr>
+          <p:nvPr>
+            <p:ph idx="1"/>
+          </p:nvPr>
+        </p:nvSpPr>
+        <p:spPr/>
+        <p:txBody>
+          <a:bodyPr/>
+          <a:lstStyle/>
+          <a:p>
+            <a:r>
+              <a:rPr lang="en-CA" dirty="0" smtClean="0"/>
+              <a:t>This issue ,as you see in “</a:t>
+            </a:r>
+            <a:r>
+              <a:rPr lang="en-CA" dirty="0" err="1" smtClean="0"/>
+              <a:t>RestException</a:t>
+            </a:r>
+            <a:r>
+              <a:rPr lang="en-CA" dirty="0" smtClean="0"/>
+              <a:t> code line in </a:t>
+            </a:r>
+            <a:r>
+              <a:rPr lang="en-CA" dirty="0" err="1" smtClean="0"/>
+              <a:t>Twilio</a:t>
+            </a:r>
+            <a:r>
+              <a:rPr lang="en-CA" dirty="0" smtClean="0"/>
+              <a:t>” image, is because of </a:t>
+            </a:r>
+            <a:r>
+              <a:rPr lang="en-CA" dirty="0" err="1" smtClean="0"/>
+              <a:t>RestSharp</a:t>
+            </a:r>
+            <a:r>
+              <a:rPr lang="en-CA" dirty="0" smtClean="0"/>
+              <a:t>  </a:t>
+            </a:r>
+            <a:r>
+              <a:rPr lang="en-CA" dirty="0" err="1" smtClean="0"/>
+              <a:t>Api</a:t>
+            </a:r>
+            <a:r>
+              <a:rPr lang="en-CA" dirty="0" smtClean="0"/>
+              <a:t>  in </a:t>
+            </a:r>
+            <a:r>
+              <a:rPr lang="en-CA" dirty="0" err="1" smtClean="0"/>
+              <a:t>RestSharp.RestRequest</a:t>
+            </a:r>
+            <a:r>
+              <a:rPr lang="en-CA" dirty="0" smtClean="0"/>
+              <a:t> </a:t>
+            </a:r>
+            <a:r>
+              <a:rPr lang="en-CA" dirty="0" smtClean="0"/>
+              <a:t> service that is responsible to serialization </a:t>
+            </a:r>
+          </a:p>
+          <a:p>
+            <a:r>
+              <a:rPr lang="en-CA" dirty="0" smtClean="0"/>
+              <a:t>This API is out of this project zoon and it is reported as </a:t>
+            </a:r>
+            <a:r>
+              <a:rPr lang="en-CA" dirty="0" err="1" smtClean="0"/>
+              <a:t>RestSharp</a:t>
+            </a:r>
+            <a:r>
+              <a:rPr lang="en-CA" dirty="0" smtClean="0"/>
+              <a:t> </a:t>
+            </a:r>
+            <a:r>
+              <a:rPr lang="en-CA" dirty="0" smtClean="0"/>
+              <a:t>Issue by</a:t>
+            </a:r>
+            <a:endParaRPr lang="en-CA" dirty="0"/>
+          </a:p>
+        </p:txBody>
+      </p:sp>
+    </p:spTree>
+  </p:cSld>
+  <p:clrMapOvr>
+    <a:masterClrMapping/>
+  </p:clrMapOvr>
+</p:sld>
+</file>
+
+<file path=ppt/slides/slide14.xml><?xml version="1.0" encoding="utf-8"?>
+<p:sld xmlns:a="http://schemas.openxmlformats.org/drawingml/2006/main" xmlns:r="http://schemas.openxmlformats.org/officeDocument/2006/relationships" xmlns:p="http://schemas.openxmlformats.org/presentationml/2006/main">
+  <p:cSld>
+    <p:spTree>
+      <p:nvGrpSpPr>
+        <p:cNvPr id="1" name=""/>
+        <p:cNvGrpSpPr/>
+        <p:nvPr/>
+      </p:nvGrpSpPr>
+      <p:grpSpPr>
+        <a:xfrm>
+          <a:off x="0" y="0"/>
+          <a:ext cx="0" cy="0"/>
+          <a:chOff x="0" y="0"/>
+          <a:chExt cx="0" cy="0"/>
+        </a:xfrm>
+      </p:grpSpPr>
+      <p:sp>
+        <p:nvSpPr>
+          <p:cNvPr id="2" name="Title 1"/>
+          <p:cNvSpPr>
+            <a:spLocks noGrp="1"/>
+          </p:cNvSpPr>
+          <p:nvPr>
+            <p:ph type="title"/>
+          </p:nvPr>
+        </p:nvSpPr>
+        <p:spPr/>
+        <p:txBody>
+          <a:bodyPr/>
+          <a:lstStyle/>
+          <a:p>
+            <a:r>
+              <a:rPr lang="en-CA" dirty="0" smtClean="0"/>
+              <a:t>References </a:t>
+            </a:r>
+            <a:endParaRPr lang="en-CA" dirty="0"/>
+          </a:p>
+        </p:txBody>
+      </p:sp>
+      <p:sp>
+        <p:nvSpPr>
+          <p:cNvPr id="3" name="Content Placeholder 2"/>
+          <p:cNvSpPr>
+            <a:spLocks noGrp="1"/>
+          </p:cNvSpPr>
+          <p:nvPr>
+            <p:ph idx="1"/>
+          </p:nvPr>
+        </p:nvSpPr>
+        <p:spPr/>
+        <p:txBody>
+          <a:bodyPr/>
+          <a:lstStyle/>
+          <a:p>
+            <a:r>
+              <a:rPr lang="en-CA" b="1" dirty="0" err="1" smtClean="0">
+                <a:hlinkClick r:id="rId2"/>
+              </a:rPr>
+              <a:t>Twilio</a:t>
+            </a:r>
+            <a:r>
+              <a:rPr lang="en-CA" b="1" dirty="0" smtClean="0">
+                <a:hlinkClick r:id="rId2"/>
+              </a:rPr>
+              <a:t> REST API </a:t>
+            </a:r>
+            <a:r>
+              <a:rPr lang="en-CA" b="1" dirty="0" smtClean="0">
+                <a:hlinkClick r:id="rId2"/>
+              </a:rPr>
+              <a:t>Documentation</a:t>
+            </a:r>
+            <a:r>
+              <a:rPr lang="en-CA" b="1" dirty="0" smtClean="0"/>
+              <a:t>  </a:t>
+            </a:r>
+            <a:r>
+              <a:rPr lang="en-CA" dirty="0" smtClean="0">
+                <a:hlinkClick r:id="rId3"/>
+              </a:rPr>
+              <a:t>https</a:t>
+            </a:r>
+            <a:r>
+              <a:rPr lang="en-CA" dirty="0" smtClean="0">
+                <a:hlinkClick r:id="rId3"/>
+              </a:rPr>
+              <a:t>://</a:t>
+            </a:r>
+            <a:r>
+              <a:rPr lang="en-CA" dirty="0" smtClean="0">
+                <a:hlinkClick r:id="rId3"/>
+              </a:rPr>
+              <a:t>www.twilio.com/docs/api/rest</a:t>
+            </a:r>
+            <a:endParaRPr lang="en-CA" dirty="0" smtClean="0"/>
+          </a:p>
+          <a:p>
+            <a:endParaRPr lang="en-CA" dirty="0"/>
+          </a:p>
+        </p:txBody>
+      </p:sp>
+    </p:spTree>
+  </p:cSld>
+  <p:clrMapOvr>
+    <a:masterClrMapping/>
+  </p:clrMapOvr>
+</p:sld>
+</file>
+
 <file path=ppt/slides/slide2.xml><?xml version="1.0" encoding="utf-8"?>
 <p:sld xmlns:a="http://schemas.openxmlformats.org/drawingml/2006/main" xmlns:r="http://schemas.openxmlformats.org/officeDocument/2006/relationships" xmlns:p="http://schemas.openxmlformats.org/presentationml/2006/main">
   <p:cSld>
@@ -3214,7 +3757,7 @@
         <p:spPr/>
         <p:txBody>
           <a:bodyPr>
-            <a:normAutofit fontScale="85000" lnSpcReduction="20000"/>
+            <a:normAutofit fontScale="85000" lnSpcReduction="10000"/>
           </a:bodyPr>
           <a:lstStyle/>
           <a:p>
@@ -3246,50 +3789,18 @@
             </a:r>
             <a:r>
               <a:rPr lang="en-CA" dirty="0" smtClean="0"/>
-              <a:t> Rest API related to bug </a:t>
-            </a:r>
-            <a:r>
-              <a:rPr lang="en-CA" dirty="0" err="1" smtClean="0"/>
-              <a:t>RestSharp</a:t>
-            </a:r>
-            <a:r>
-              <a:rPr lang="en-CA" dirty="0" smtClean="0"/>
-              <a:t> 104.2 has broken how </a:t>
-            </a:r>
-            <a:r>
-              <a:rPr lang="en-CA" dirty="0" err="1" smtClean="0"/>
-              <a:t>TwilioRestClient</a:t>
-            </a:r>
-            <a:r>
-              <a:rPr lang="en-CA" dirty="0" smtClean="0"/>
-              <a:t> </a:t>
-            </a:r>
-            <a:r>
-              <a:rPr lang="en-CA" dirty="0" err="1" smtClean="0"/>
-              <a:t>deserializes</a:t>
-            </a:r>
-            <a:r>
-              <a:rPr lang="en-CA" dirty="0" smtClean="0"/>
-              <a:t> </a:t>
-            </a:r>
-            <a:r>
-              <a:rPr lang="en-CA" dirty="0" err="1" smtClean="0"/>
-              <a:t>RestExceptions</a:t>
-            </a:r>
-            <a:r>
-              <a:rPr lang="en-CA" dirty="0" smtClean="0"/>
-              <a:t> </a:t>
+              <a:t> Rest API related </a:t>
+            </a:r>
+            <a:r>
+              <a:rPr lang="en-CA" dirty="0" smtClean="0"/>
+              <a:t>to bug List</a:t>
             </a:r>
             <a:endParaRPr lang="en-CA" dirty="0" smtClean="0"/>
           </a:p>
           <a:p>
             <a:r>
               <a:rPr lang="en-CA" dirty="0" smtClean="0"/>
-              <a:t>Find out why </a:t>
-            </a:r>
-            <a:r>
-              <a:rPr lang="en-CA" dirty="0" smtClean="0"/>
-              <a:t>bug exists and write change log and create </a:t>
+              <a:t>Find out why bug exists and write change log and create </a:t>
             </a:r>
             <a:r>
               <a:rPr lang="en-CA" dirty="0" err="1" smtClean="0"/>
@@ -3304,19 +3815,7 @@
             </a:r>
             <a:r>
               <a:rPr lang="en-CA" dirty="0" smtClean="0"/>
-              <a:t> professor feedback </a:t>
-            </a:r>
-            <a:r>
-              <a:rPr lang="en-CA" dirty="0" smtClean="0"/>
-              <a:t>and submit </a:t>
-            </a:r>
-            <a:r>
-              <a:rPr lang="en-CA" dirty="0" smtClean="0"/>
-              <a:t>the patch and </a:t>
-            </a:r>
-            <a:r>
-              <a:rPr lang="en-CA" dirty="0" smtClean="0"/>
-              <a:t>implement</a:t>
+              <a:t> professor feedback and submit the patch and implement</a:t>
             </a:r>
           </a:p>
           <a:p>
@@ -3364,18 +3863,13 @@
         </p:nvSpPr>
         <p:spPr/>
         <p:txBody>
-          <a:bodyPr>
-            <a:normAutofit fontScale="90000"/>
-          </a:bodyPr>
-          <a:lstStyle/>
-          <a:p>
-            <a:r>
-              <a:rPr lang="en-CA" dirty="0" smtClean="0"/>
-              <a:t>Finding a project with proper committers and commits</a:t>
-            </a:r>
-            <a:br>
-              <a:rPr lang="en-CA" dirty="0" smtClean="0"/>
-            </a:br>
+          <a:bodyPr/>
+          <a:lstStyle/>
+          <a:p>
+            <a:r>
+              <a:rPr lang="en-CA" dirty="0" smtClean="0"/>
+              <a:t>Bug list to fix </a:t>
+            </a:r>
             <a:endParaRPr lang="en-CA" dirty="0"/>
           </a:p>
         </p:txBody>
@@ -3392,47 +3886,36 @@
         </p:nvSpPr>
         <p:spPr/>
         <p:txBody>
-          <a:bodyPr>
-            <a:normAutofit lnSpcReduction="10000"/>
-          </a:bodyPr>
-          <a:lstStyle/>
-          <a:p>
-            <a:r>
-              <a:rPr lang="en-CA" dirty="0" smtClean="0"/>
-              <a:t>For this mean I searched on following 3 repository and after download of the project and survey on metrics of the project , committers , commits, and technique hired by project I choose Twillio-sharp</a:t>
-            </a:r>
-          </a:p>
-          <a:p>
-            <a:r>
-              <a:rPr lang="en-CA" dirty="0" smtClean="0"/>
-              <a:t>Repository list</a:t>
-            </a:r>
-          </a:p>
-          <a:p>
-            <a:pPr lvl="1"/>
+          <a:bodyPr/>
+          <a:lstStyle/>
+          <a:p>
             <a:r>
               <a:rPr lang="en-CA" dirty="0" err="1" smtClean="0"/>
-              <a:t>GitHub</a:t>
-            </a:r>
-            <a:endParaRPr lang="en-CA" dirty="0" smtClean="0"/>
-          </a:p>
-          <a:p>
-            <a:pPr lvl="1"/>
+              <a:t>RestSharp</a:t>
+            </a:r>
+            <a:r>
+              <a:rPr lang="en-CA" dirty="0" smtClean="0"/>
+              <a:t> 104.2 has broken how </a:t>
+            </a:r>
             <a:r>
               <a:rPr lang="en-CA" dirty="0" err="1" smtClean="0"/>
-              <a:t>Sourceforge</a:t>
-            </a:r>
-            <a:endParaRPr lang="en-CA" dirty="0" smtClean="0"/>
-          </a:p>
-          <a:p>
-            <a:pPr lvl="1"/>
+              <a:t>TwilioRestClient</a:t>
+            </a:r>
+            <a:r>
+              <a:rPr lang="en-CA" dirty="0" smtClean="0"/>
+              <a:t> </a:t>
+            </a:r>
             <a:r>
               <a:rPr lang="en-CA" dirty="0" err="1" smtClean="0"/>
-              <a:t>Google.Code</a:t>
+              <a:t>deserializes</a:t>
             </a:r>
             <a:r>
               <a:rPr lang="en-CA" dirty="0" smtClean="0"/>
               <a:t> </a:t>
+            </a:r>
+            <a:r>
+              <a:rPr lang="en-CA" dirty="0" err="1" smtClean="0"/>
+              <a:t>RestExceptions</a:t>
             </a:r>
             <a:endParaRPr lang="en-CA" dirty="0"/>
           </a:p>
@@ -3475,118 +3958,75 @@
         </p:nvSpPr>
         <p:spPr/>
         <p:txBody>
-          <a:bodyPr/>
-          <a:lstStyle/>
-          <a:p>
-            <a:r>
-              <a:rPr lang="en-CA" dirty="0" smtClean="0"/>
-              <a:t>Project Architecture </a:t>
+          <a:bodyPr>
+            <a:normAutofit fontScale="90000"/>
+          </a:bodyPr>
+          <a:lstStyle/>
+          <a:p>
+            <a:r>
+              <a:rPr lang="en-CA" dirty="0" smtClean="0"/>
+              <a:t>Finding a project with proper committers and commits</a:t>
+            </a:r>
+            <a:br>
+              <a:rPr lang="en-CA" dirty="0" smtClean="0"/>
+            </a:br>
+            <a:endParaRPr lang="en-CA" dirty="0"/>
+          </a:p>
+        </p:txBody>
+      </p:sp>
+      <p:sp>
+        <p:nvSpPr>
+          <p:cNvPr id="3" name="Content Placeholder 2"/>
+          <p:cNvSpPr>
+            <a:spLocks noGrp="1"/>
+          </p:cNvSpPr>
+          <p:nvPr>
+            <p:ph idx="1"/>
+          </p:nvPr>
+        </p:nvSpPr>
+        <p:spPr/>
+        <p:txBody>
+          <a:bodyPr>
+            <a:normAutofit lnSpcReduction="10000"/>
+          </a:bodyPr>
+          <a:lstStyle/>
+          <a:p>
+            <a:r>
+              <a:rPr lang="en-CA" dirty="0" smtClean="0"/>
+              <a:t>For this mean I searched on following 3 repository and after download of the project and survey on metrics of the project , committers , commits, and technique hired by project I choose Twillio-sharp</a:t>
+            </a:r>
+          </a:p>
+          <a:p>
+            <a:r>
+              <a:rPr lang="en-CA" dirty="0" smtClean="0"/>
+              <a:t>Repository list</a:t>
+            </a:r>
+          </a:p>
+          <a:p>
+            <a:pPr lvl="1"/>
+            <a:r>
+              <a:rPr lang="en-CA" dirty="0" err="1" smtClean="0"/>
+              <a:t>GitHub</a:t>
             </a:r>
             <a:endParaRPr lang="en-CA" dirty="0" smtClean="0"/>
           </a:p>
-        </p:txBody>
-      </p:sp>
-      <p:sp>
-        <p:nvSpPr>
-          <p:cNvPr id="3" name="Content Placeholder 2"/>
-          <p:cNvSpPr>
-            <a:spLocks noGrp="1"/>
-          </p:cNvSpPr>
-          <p:nvPr>
-            <p:ph idx="1"/>
-          </p:nvPr>
-        </p:nvSpPr>
-        <p:spPr/>
-        <p:txBody>
-          <a:bodyPr>
-            <a:normAutofit fontScale="85000" lnSpcReduction="10000"/>
-          </a:bodyPr>
-          <a:lstStyle/>
-          <a:p>
-            <a:r>
-              <a:rPr lang="en-CA" dirty="0" smtClean="0"/>
-              <a:t>In this part I find out Twillio-sharp solution consist of 8  projects in following category </a:t>
-            </a:r>
-          </a:p>
-          <a:p>
-            <a:r>
-              <a:rPr lang="en-CA" dirty="0" smtClean="0"/>
-              <a:t>Project category </a:t>
-            </a:r>
-          </a:p>
           <a:p>
             <a:pPr lvl="1"/>
             <a:r>
-              <a:rPr lang="en-CA" dirty="0" smtClean="0"/>
-              <a:t>Some of project related to project test</a:t>
-            </a:r>
+              <a:rPr lang="en-CA" dirty="0" err="1" smtClean="0"/>
+              <a:t>Sourceforge</a:t>
+            </a:r>
+            <a:endParaRPr lang="en-CA" dirty="0" smtClean="0"/>
           </a:p>
           <a:p>
             <a:pPr lvl="1"/>
             <a:r>
-              <a:rPr lang="en-CA" dirty="0" smtClean="0"/>
-              <a:t>Some of project were developed in different </a:t>
-            </a:r>
-            <a:r>
-              <a:rPr lang="en-CA" dirty="0" smtClean="0"/>
-              <a:t>framework </a:t>
-            </a:r>
-            <a:r>
-              <a:rPr lang="en-CA" dirty="0" smtClean="0"/>
-              <a:t>such as : </a:t>
-            </a:r>
-            <a:r>
               <a:rPr lang="en-CA" dirty="0" err="1" smtClean="0"/>
-              <a:t>S</a:t>
-            </a:r>
-            <a:r>
-              <a:rPr lang="en-CA" dirty="0" err="1" smtClean="0"/>
-              <a:t>ilverlight</a:t>
-            </a:r>
-            <a:r>
-              <a:rPr lang="en-CA" dirty="0" smtClean="0"/>
-              <a:t>, </a:t>
-            </a:r>
-            <a:r>
-              <a:rPr lang="en-CA" dirty="0" err="1" smtClean="0"/>
-              <a:t>WindowsPhone</a:t>
-            </a:r>
-            <a:r>
-              <a:rPr lang="en-CA" dirty="0" smtClean="0"/>
-              <a:t>, </a:t>
-            </a:r>
-            <a:r>
-              <a:rPr lang="en-CA" dirty="0" err="1" smtClean="0"/>
-              <a:t>WebMatrix</a:t>
-            </a:r>
-            <a:endParaRPr lang="en-CA" dirty="0" smtClean="0"/>
-          </a:p>
-          <a:p>
-            <a:r>
-              <a:rPr lang="en-CA" dirty="0" smtClean="0"/>
-              <a:t> My concentrate project Twillio.API which is developed in c# framework and class </a:t>
-            </a:r>
-          </a:p>
-          <a:p>
-            <a:r>
-              <a:rPr lang="en-CA" dirty="0" smtClean="0"/>
-              <a:t>You can find diagram of solution and project level view of </a:t>
-            </a:r>
-            <a:r>
-              <a:rPr lang="en-CA" dirty="0" smtClean="0"/>
-              <a:t>architecture in: </a:t>
-            </a:r>
-            <a:r>
-              <a:rPr lang="en-CA" dirty="0" smtClean="0"/>
-              <a:t>SOEN691_AZIZI\</a:t>
-            </a:r>
-            <a:r>
-              <a:rPr lang="en-CA" dirty="0" err="1" smtClean="0"/>
-              <a:t>Architector</a:t>
-            </a:r>
-            <a:r>
-              <a:rPr lang="en-CA" dirty="0" smtClean="0"/>
-              <a:t>\solution_projects.png</a:t>
+              <a:t>Google.Code</a:t>
+            </a:r>
+            <a:r>
+              <a:rPr lang="en-CA" dirty="0" smtClean="0"/>
+              <a:t> </a:t>
             </a:r>
             <a:endParaRPr lang="en-CA" dirty="0"/>
           </a:p>
@@ -3634,9 +4074,8 @@
           <a:p>
             <a:r>
               <a:rPr lang="en-CA" dirty="0" smtClean="0"/>
-              <a:t>Twilio.api class diagram</a:t>
-            </a:r>
-            <a:endParaRPr lang="en-CA" dirty="0"/>
+              <a:t>Project Architecture </a:t>
+            </a:r>
           </a:p>
         </p:txBody>
       </p:sp>
@@ -3652,34 +4091,67 @@
         </p:nvSpPr>
         <p:spPr/>
         <p:txBody>
-          <a:bodyPr/>
-          <a:lstStyle/>
-          <a:p>
-            <a:r>
-              <a:rPr lang="en-CA" dirty="0" smtClean="0"/>
-              <a:t>Twilio.api is concentrated project between 8 projects</a:t>
-            </a:r>
-          </a:p>
-          <a:p>
-            <a:r>
-              <a:rPr lang="en-CA" dirty="0" smtClean="0"/>
-              <a:t>The information is gathering about it  such as class diagram that you can find it in following </a:t>
+          <a:bodyPr>
+            <a:normAutofit fontScale="85000" lnSpcReduction="10000"/>
+          </a:bodyPr>
+          <a:lstStyle/>
+          <a:p>
+            <a:r>
+              <a:rPr lang="en-CA" dirty="0" smtClean="0"/>
+              <a:t>In this part I find out Twillio-sharp solution consist of 8  projects in following category </a:t>
+            </a:r>
+          </a:p>
+          <a:p>
+            <a:r>
+              <a:rPr lang="en-CA" dirty="0" smtClean="0"/>
+              <a:t>Project category </a:t>
+            </a:r>
+          </a:p>
+          <a:p>
+            <a:pPr lvl="1"/>
+            <a:r>
+              <a:rPr lang="en-CA" dirty="0" smtClean="0"/>
+              <a:t>Some of project related to project test</a:t>
+            </a:r>
+          </a:p>
+          <a:p>
+            <a:pPr lvl="1"/>
+            <a:r>
+              <a:rPr lang="en-CA" dirty="0" smtClean="0"/>
+              <a:t>Some of project were developed in different framework such as : </a:t>
             </a:r>
             <a:r>
               <a:rPr lang="en-CA" dirty="0" err="1" smtClean="0"/>
-              <a:t>adress</a:t>
-            </a:r>
-            <a:r>
-              <a:rPr lang="en-CA" dirty="0" smtClean="0"/>
-              <a:t>: </a:t>
-            </a:r>
-            <a:r>
-              <a:rPr lang="en-CA" dirty="0" smtClean="0"/>
-              <a:t> </a:t>
-            </a:r>
-            <a:r>
-              <a:rPr lang="en-CA" dirty="0" smtClean="0"/>
-              <a:t>SOEN691_AZIZI\</a:t>
+              <a:t>Silverlight</a:t>
+            </a:r>
+            <a:r>
+              <a:rPr lang="en-CA" dirty="0" smtClean="0"/>
+              <a:t>, </a:t>
+            </a:r>
+            <a:r>
+              <a:rPr lang="en-CA" dirty="0" err="1" smtClean="0"/>
+              <a:t>WindowsPhone</a:t>
+            </a:r>
+            <a:r>
+              <a:rPr lang="en-CA" dirty="0" smtClean="0"/>
+              <a:t>, </a:t>
+            </a:r>
+            <a:r>
+              <a:rPr lang="en-CA" dirty="0" err="1" smtClean="0"/>
+              <a:t>WebMatrix</a:t>
+            </a:r>
+            <a:endParaRPr lang="en-CA" dirty="0" smtClean="0"/>
+          </a:p>
+          <a:p>
+            <a:r>
+              <a:rPr lang="en-CA" dirty="0" smtClean="0"/>
+              <a:t> My concentrate project Twillio.API which is developed in c# framework and class </a:t>
+            </a:r>
+          </a:p>
+          <a:p>
+            <a:r>
+              <a:rPr lang="en-CA" dirty="0" smtClean="0"/>
+              <a:t>You can find diagram of solution and project level view of architecture in: SOEN691_AZIZI\</a:t>
             </a:r>
             <a:r>
               <a:rPr lang="en-CA" dirty="0" err="1" smtClean="0"/>
@@ -3687,11 +4159,7 @@
             </a:r>
             <a:r>
               <a:rPr lang="en-CA" dirty="0" smtClean="0"/>
-              <a:t>\</a:t>
-            </a:r>
-            <a:r>
-              <a:rPr lang="en-CA" dirty="0" smtClean="0"/>
-              <a:t>TwillioAPIClassDiagram.png</a:t>
+              <a:t>\solution_projects.png</a:t>
             </a:r>
             <a:endParaRPr lang="en-CA" dirty="0"/>
           </a:p>
@@ -3737,7 +4205,11 @@
           <a:bodyPr/>
           <a:lstStyle/>
           <a:p>
-            <a:endParaRPr lang="en-CA"/>
+            <a:r>
+              <a:rPr lang="en-CA" dirty="0" smtClean="0"/>
+              <a:t>Twilio.api class diagram</a:t>
+            </a:r>
+            <a:endParaRPr lang="en-CA" dirty="0"/>
           </a:p>
         </p:txBody>
       </p:sp>
@@ -3756,10 +4228,359 @@
           <a:bodyPr/>
           <a:lstStyle/>
           <a:p>
-            <a:endParaRPr lang="en-CA"/>
-          </a:p>
-        </p:txBody>
-      </p:sp>
+            <a:r>
+              <a:rPr lang="en-CA" dirty="0" smtClean="0"/>
+              <a:t>Twilio.api is concentrated project between 8 projects</a:t>
+            </a:r>
+          </a:p>
+          <a:p>
+            <a:r>
+              <a:rPr lang="en-CA" dirty="0" smtClean="0"/>
+              <a:t>The information is gathering about it  such as class diagram that you can find it in following </a:t>
+            </a:r>
+            <a:r>
+              <a:rPr lang="en-CA" dirty="0" err="1" smtClean="0"/>
+              <a:t>adress</a:t>
+            </a:r>
+            <a:r>
+              <a:rPr lang="en-CA" dirty="0" smtClean="0"/>
+              <a:t>:  </a:t>
+            </a:r>
+            <a:r>
+              <a:rPr lang="en-CA" dirty="0" smtClean="0"/>
+              <a:t>SOEN691_AZIZI\</a:t>
+            </a:r>
+            <a:r>
+              <a:rPr lang="en-CA" dirty="0" err="1" smtClean="0"/>
+              <a:t>Architector</a:t>
+            </a:r>
+            <a:r>
+              <a:rPr lang="en-CA" dirty="0" smtClean="0"/>
+              <a:t>\TwillioAPIClassDiagram.png</a:t>
+            </a:r>
+            <a:endParaRPr lang="en-CA" dirty="0"/>
+          </a:p>
+        </p:txBody>
+      </p:sp>
+    </p:spTree>
+  </p:cSld>
+  <p:clrMapOvr>
+    <a:masterClrMapping/>
+  </p:clrMapOvr>
+</p:sld>
+</file>
+
+<file path=ppt/slides/slide7.xml><?xml version="1.0" encoding="utf-8"?>
+<p:sld xmlns:a="http://schemas.openxmlformats.org/drawingml/2006/main" xmlns:r="http://schemas.openxmlformats.org/officeDocument/2006/relationships" xmlns:p="http://schemas.openxmlformats.org/presentationml/2006/main">
+  <p:cSld>
+    <p:spTree>
+      <p:nvGrpSpPr>
+        <p:cNvPr id="1" name=""/>
+        <p:cNvGrpSpPr/>
+        <p:nvPr/>
+      </p:nvGrpSpPr>
+      <p:grpSpPr>
+        <a:xfrm>
+          <a:off x="0" y="0"/>
+          <a:ext cx="0" cy="0"/>
+          <a:chOff x="0" y="0"/>
+          <a:chExt cx="0" cy="0"/>
+        </a:xfrm>
+      </p:grpSpPr>
+      <p:sp>
+        <p:nvSpPr>
+          <p:cNvPr id="2" name="Title 1"/>
+          <p:cNvSpPr>
+            <a:spLocks noGrp="1"/>
+          </p:cNvSpPr>
+          <p:nvPr>
+            <p:ph type="title"/>
+          </p:nvPr>
+        </p:nvSpPr>
+        <p:spPr/>
+        <p:txBody>
+          <a:bodyPr/>
+          <a:lstStyle/>
+          <a:p>
+            <a:r>
+              <a:rPr lang="en-CA" dirty="0" smtClean="0"/>
+              <a:t>Find out why bug exist</a:t>
+            </a:r>
+            <a:endParaRPr lang="en-CA" dirty="0"/>
+          </a:p>
+        </p:txBody>
+      </p:sp>
+      <p:sp>
+        <p:nvSpPr>
+          <p:cNvPr id="3" name="Content Placeholder 2"/>
+          <p:cNvSpPr>
+            <a:spLocks noGrp="1"/>
+          </p:cNvSpPr>
+          <p:nvPr>
+            <p:ph idx="1"/>
+          </p:nvPr>
+        </p:nvSpPr>
+        <p:spPr/>
+        <p:txBody>
+          <a:bodyPr/>
+          <a:lstStyle/>
+          <a:p>
+            <a:r>
+              <a:rPr lang="en-CA" dirty="0" smtClean="0"/>
+              <a:t>Steps to find </a:t>
+            </a:r>
+          </a:p>
+          <a:p>
+            <a:pPr lvl="1"/>
+            <a:r>
+              <a:rPr lang="en-CA" dirty="0" smtClean="0"/>
+              <a:t> Get an ACCOUNT</a:t>
+            </a:r>
+            <a:r>
+              <a:rPr lang="en-CA" dirty="0" smtClean="0"/>
+              <a:t> </a:t>
+            </a:r>
+            <a:r>
+              <a:rPr lang="en-CA" dirty="0" smtClean="0"/>
+              <a:t>SID and phone number from </a:t>
+            </a:r>
+            <a:r>
+              <a:rPr lang="en-CA" dirty="0" err="1" smtClean="0"/>
+              <a:t>T</a:t>
+            </a:r>
+            <a:r>
+              <a:rPr lang="en-CA" dirty="0" err="1" smtClean="0"/>
+              <a:t>wilio</a:t>
+            </a:r>
+            <a:r>
+              <a:rPr lang="en-CA" dirty="0" smtClean="0"/>
+              <a:t> </a:t>
+            </a:r>
+          </a:p>
+          <a:p>
+            <a:pPr lvl="1"/>
+            <a:r>
+              <a:rPr lang="en-CA" dirty="0" smtClean="0"/>
+              <a:t>Make a new project and add </a:t>
+            </a:r>
+            <a:r>
+              <a:rPr lang="en-CA" dirty="0" err="1" smtClean="0"/>
+              <a:t>twillio</a:t>
+            </a:r>
+            <a:r>
+              <a:rPr lang="en-CA" dirty="0" smtClean="0"/>
+              <a:t> </a:t>
+            </a:r>
+            <a:r>
+              <a:rPr lang="en-CA" dirty="0" err="1" smtClean="0"/>
+              <a:t>NuGet</a:t>
+            </a:r>
+            <a:r>
+              <a:rPr lang="en-CA" dirty="0" smtClean="0"/>
+              <a:t> </a:t>
+            </a:r>
+          </a:p>
+          <a:p>
+            <a:pPr lvl="1"/>
+            <a:r>
+              <a:rPr lang="en-CA" dirty="0" smtClean="0"/>
+              <a:t>Writing the code to call or message </a:t>
+            </a:r>
+          </a:p>
+          <a:p>
+            <a:pPr lvl="1"/>
+            <a:r>
+              <a:rPr lang="en-CA" dirty="0" smtClean="0"/>
+              <a:t>Build and run </a:t>
+            </a:r>
+          </a:p>
+          <a:p>
+            <a:pPr lvl="1"/>
+            <a:r>
+              <a:rPr lang="en-CA" dirty="0" smtClean="0"/>
+              <a:t>Trace code and finding issue</a:t>
+            </a:r>
+          </a:p>
+          <a:p>
+            <a:pPr lvl="1"/>
+            <a:endParaRPr lang="en-CA" dirty="0" smtClean="0"/>
+          </a:p>
+          <a:p>
+            <a:pPr lvl="1"/>
+            <a:endParaRPr lang="en-CA" dirty="0"/>
+          </a:p>
+        </p:txBody>
+      </p:sp>
+    </p:spTree>
+  </p:cSld>
+  <p:clrMapOvr>
+    <a:masterClrMapping/>
+  </p:clrMapOvr>
+</p:sld>
+</file>
+
+<file path=ppt/slides/slide8.xml><?xml version="1.0" encoding="utf-8"?>
+<p:sld xmlns:a="http://schemas.openxmlformats.org/drawingml/2006/main" xmlns:r="http://schemas.openxmlformats.org/officeDocument/2006/relationships" xmlns:p="http://schemas.openxmlformats.org/presentationml/2006/main">
+  <p:cSld>
+    <p:spTree>
+      <p:nvGrpSpPr>
+        <p:cNvPr id="1" name=""/>
+        <p:cNvGrpSpPr/>
+        <p:nvPr/>
+      </p:nvGrpSpPr>
+      <p:grpSpPr>
+        <a:xfrm>
+          <a:off x="0" y="0"/>
+          <a:ext cx="0" cy="0"/>
+          <a:chOff x="0" y="0"/>
+          <a:chExt cx="0" cy="0"/>
+        </a:xfrm>
+      </p:grpSpPr>
+      <p:sp>
+        <p:nvSpPr>
+          <p:cNvPr id="2" name="Title 1"/>
+          <p:cNvSpPr>
+            <a:spLocks noGrp="1"/>
+          </p:cNvSpPr>
+          <p:nvPr>
+            <p:ph type="title"/>
+          </p:nvPr>
+        </p:nvSpPr>
+        <p:spPr/>
+        <p:txBody>
+          <a:bodyPr/>
+          <a:lstStyle/>
+          <a:p>
+            <a:r>
+              <a:rPr lang="en-CA" dirty="0" err="1" smtClean="0"/>
+              <a:t>Twilio</a:t>
+            </a:r>
+            <a:r>
+              <a:rPr lang="en-CA" dirty="0" smtClean="0"/>
+              <a:t> account</a:t>
+            </a:r>
+            <a:endParaRPr lang="en-CA" dirty="0"/>
+          </a:p>
+        </p:txBody>
+      </p:sp>
+      <p:pic>
+        <p:nvPicPr>
+          <p:cNvPr id="5122" name="Picture 2"/>
+          <p:cNvPicPr>
+            <a:picLocks noGrp="1" noChangeAspect="1" noChangeArrowheads="1"/>
+          </p:cNvPicPr>
+          <p:nvPr>
+            <p:ph idx="1"/>
+          </p:nvPr>
+        </p:nvPicPr>
+        <p:blipFill>
+          <a:blip r:embed="rId2"/>
+          <a:srcRect/>
+          <a:stretch>
+            <a:fillRect/>
+          </a:stretch>
+        </p:blipFill>
+        <p:spPr bwMode="auto">
+          <a:xfrm>
+            <a:off x="457200" y="1670228"/>
+            <a:ext cx="8229600" cy="4385907"/>
+          </a:xfrm>
+          <a:prstGeom prst="rect">
+            <a:avLst/>
+          </a:prstGeom>
+          <a:noFill/>
+          <a:ln w="9525">
+            <a:noFill/>
+            <a:miter lim="800000"/>
+            <a:headEnd/>
+            <a:tailEnd/>
+          </a:ln>
+          <a:effectLst/>
+        </p:spPr>
+      </p:pic>
+    </p:spTree>
+  </p:cSld>
+  <p:clrMapOvr>
+    <a:masterClrMapping/>
+  </p:clrMapOvr>
+</p:sld>
+</file>
+
+<file path=ppt/slides/slide9.xml><?xml version="1.0" encoding="utf-8"?>
+<p:sld xmlns:a="http://schemas.openxmlformats.org/drawingml/2006/main" xmlns:r="http://schemas.openxmlformats.org/officeDocument/2006/relationships" xmlns:p="http://schemas.openxmlformats.org/presentationml/2006/main">
+  <p:cSld>
+    <p:spTree>
+      <p:nvGrpSpPr>
+        <p:cNvPr id="1" name=""/>
+        <p:cNvGrpSpPr/>
+        <p:nvPr/>
+      </p:nvGrpSpPr>
+      <p:grpSpPr>
+        <a:xfrm>
+          <a:off x="0" y="0"/>
+          <a:ext cx="0" cy="0"/>
+          <a:chOff x="0" y="0"/>
+          <a:chExt cx="0" cy="0"/>
+        </a:xfrm>
+      </p:grpSpPr>
+      <p:sp>
+        <p:nvSpPr>
+          <p:cNvPr id="2" name="Title 1"/>
+          <p:cNvSpPr>
+            <a:spLocks noGrp="1"/>
+          </p:cNvSpPr>
+          <p:nvPr>
+            <p:ph type="title"/>
+          </p:nvPr>
+        </p:nvSpPr>
+        <p:spPr/>
+        <p:txBody>
+          <a:bodyPr/>
+          <a:lstStyle/>
+          <a:p>
+            <a:r>
+              <a:rPr lang="en-CA" dirty="0" smtClean="0"/>
+              <a:t>Code for call</a:t>
+            </a:r>
+            <a:endParaRPr lang="en-CA" dirty="0"/>
+          </a:p>
+        </p:txBody>
+      </p:sp>
+      <p:pic>
+        <p:nvPicPr>
+          <p:cNvPr id="2050" name="Picture 2"/>
+          <p:cNvPicPr>
+            <a:picLocks noGrp="1" noChangeAspect="1" noChangeArrowheads="1"/>
+          </p:cNvPicPr>
+          <p:nvPr>
+            <p:ph idx="1"/>
+          </p:nvPr>
+        </p:nvPicPr>
+        <p:blipFill>
+          <a:blip r:embed="rId2"/>
+          <a:srcRect/>
+          <a:stretch>
+            <a:fillRect/>
+          </a:stretch>
+        </p:blipFill>
+        <p:spPr bwMode="auto">
+          <a:xfrm>
+            <a:off x="1719262" y="2124869"/>
+            <a:ext cx="5705475" cy="3476625"/>
+          </a:xfrm>
+          <a:prstGeom prst="rect">
+            <a:avLst/>
+          </a:prstGeom>
+          <a:noFill/>
+          <a:ln w="9525">
+            <a:noFill/>
+            <a:miter lim="800000"/>
+            <a:headEnd/>
+            <a:tailEnd/>
+          </a:ln>
+          <a:effectLst/>
+        </p:spPr>
+      </p:pic>
     </p:spTree>
   </p:cSld>
   <p:clrMapOvr>
